--- a/掲示板制作.pptx
+++ b/掲示板制作.pptx
@@ -9,6 +9,7 @@
     <p:sldId id="264" r:id="rId3"/>
     <p:sldId id="263" r:id="rId4"/>
     <p:sldId id="259" r:id="rId5"/>
+    <p:sldId id="265" r:id="rId6"/>
   </p:sldIdLst>
   <p:sldSz cx="12192000" cy="6858000"/>
   <p:notesSz cx="6858000" cy="9144000"/>
@@ -5373,6 +5374,103 @@
           </a:p>
         </p:txBody>
       </p:sp>
+      <p:sp>
+        <p:nvSpPr>
+          <p:cNvPr id="5" name="テキスト ボックス 4"/>
+          <p:cNvSpPr txBox="1"/>
+          <p:nvPr/>
+        </p:nvSpPr>
+        <p:spPr>
+          <a:xfrm>
+            <a:off x="5848385" y="836341"/>
+            <a:ext cx="5605216" cy="5416868"/>
+          </a:xfrm>
+          <a:prstGeom prst="rect">
+            <a:avLst/>
+          </a:prstGeom>
+          <a:noFill/>
+        </p:spPr>
+        <p:txBody>
+          <a:bodyPr wrap="square" rtlCol="0">
+            <a:spAutoFit/>
+          </a:bodyPr>
+          <a:lstStyle/>
+          <a:p>
+            <a:endParaRPr kumimoji="1" lang="en-US" altLang="ja-JP" dirty="0" smtClean="0"/>
+          </a:p>
+          <a:p>
+            <a:endParaRPr lang="en-US" altLang="ja-JP" dirty="0"/>
+          </a:p>
+          <a:p>
+            <a:endParaRPr kumimoji="1" lang="en-US" altLang="ja-JP" dirty="0" smtClean="0"/>
+          </a:p>
+          <a:p>
+            <a:endParaRPr lang="en-US" altLang="ja-JP" dirty="0"/>
+          </a:p>
+          <a:p>
+            <a:r>
+              <a:rPr kumimoji="1" lang="ja-JP" altLang="en-US" dirty="0" smtClean="0"/>
+              <a:t>　　　　　　→</a:t>
+            </a:r>
+            <a:endParaRPr kumimoji="1" lang="en-US" altLang="ja-JP" dirty="0" smtClean="0"/>
+          </a:p>
+          <a:p>
+            <a:endParaRPr lang="en-US" altLang="ja-JP" dirty="0"/>
+          </a:p>
+          <a:p>
+            <a:endParaRPr kumimoji="1" lang="en-US" altLang="ja-JP" dirty="0" smtClean="0"/>
+          </a:p>
+          <a:p>
+            <a:endParaRPr lang="en-US" altLang="ja-JP" dirty="0"/>
+          </a:p>
+          <a:p>
+            <a:endParaRPr kumimoji="1" lang="en-US" altLang="ja-JP" dirty="0" smtClean="0"/>
+          </a:p>
+          <a:p>
+            <a:endParaRPr lang="en-US" altLang="ja-JP" dirty="0"/>
+          </a:p>
+          <a:p>
+            <a:endParaRPr kumimoji="1" lang="en-US" altLang="ja-JP" dirty="0" smtClean="0"/>
+          </a:p>
+          <a:p>
+            <a:r>
+              <a:rPr lang="ja-JP" altLang="en-US" dirty="0"/>
+              <a:t>　</a:t>
+            </a:r>
+            <a:r>
+              <a:rPr lang="ja-JP" altLang="en-US" dirty="0" smtClean="0"/>
+              <a:t>　　　　　　　　　　　　　　↓</a:t>
+            </a:r>
+            <a:endParaRPr lang="en-US" altLang="ja-JP" dirty="0" smtClean="0"/>
+          </a:p>
+          <a:p>
+            <a:endParaRPr kumimoji="1" lang="en-US" altLang="ja-JP" dirty="0"/>
+          </a:p>
+          <a:p>
+            <a:endParaRPr lang="en-US" altLang="ja-JP" dirty="0" smtClean="0"/>
+          </a:p>
+          <a:p>
+            <a:endParaRPr kumimoji="1" lang="en-US" altLang="ja-JP" dirty="0"/>
+          </a:p>
+          <a:p>
+            <a:endParaRPr lang="en-US" altLang="ja-JP" dirty="0" smtClean="0"/>
+          </a:p>
+          <a:p>
+            <a:endParaRPr kumimoji="1" lang="en-US" altLang="ja-JP" dirty="0"/>
+          </a:p>
+          <a:p>
+            <a:r>
+              <a:rPr lang="ja-JP" altLang="en-US" dirty="0" smtClean="0"/>
+              <a:t>　　　　　　　</a:t>
+            </a:r>
+            <a:r>
+              <a:rPr lang="ja-JP" altLang="en-US" sz="4000" dirty="0" smtClean="0"/>
+              <a:t> →</a:t>
+            </a:r>
+            <a:endParaRPr lang="en-US" altLang="ja-JP" sz="4000" dirty="0" smtClean="0"/>
+          </a:p>
+        </p:txBody>
+      </p:sp>
     </p:spTree>
     <p:extLst>
       <p:ext uri="{BB962C8B-B14F-4D97-AF65-F5344CB8AC3E}">
@@ -5644,11 +5742,7 @@
             <a:pPr algn="ctr"/>
             <a:r>
               <a:rPr kumimoji="1" lang="ja-JP" altLang="en-US" sz="1200" dirty="0" smtClean="0"/>
-              <a:t>ジャンル</a:t>
-            </a:r>
-            <a:r>
-              <a:rPr kumimoji="1" lang="ja-JP" altLang="en-US" sz="1200" dirty="0" smtClean="0"/>
-              <a:t>のリンク</a:t>
+              <a:t>ジャンルのリンク</a:t>
             </a:r>
             <a:endParaRPr kumimoji="1" lang="ja-JP" altLang="en-US" sz="1200" dirty="0"/>
           </a:p>
@@ -5748,11 +5842,7 @@
             <a:pPr algn="ctr"/>
             <a:r>
               <a:rPr kumimoji="1" lang="ja-JP" altLang="en-US" sz="1200" dirty="0" smtClean="0"/>
-              <a:t>ジャンル</a:t>
-            </a:r>
-            <a:r>
-              <a:rPr kumimoji="1" lang="ja-JP" altLang="en-US" sz="1200" dirty="0" smtClean="0"/>
-              <a:t>のリンク</a:t>
+              <a:t>ジャンルのリンク</a:t>
             </a:r>
             <a:endParaRPr kumimoji="1" lang="ja-JP" altLang="en-US" sz="1200" dirty="0"/>
           </a:p>
@@ -5796,11 +5886,7 @@
             <a:pPr algn="ctr"/>
             <a:r>
               <a:rPr kumimoji="1" lang="ja-JP" altLang="en-US" sz="1200" dirty="0" smtClean="0"/>
-              <a:t>ジャンル</a:t>
-            </a:r>
-            <a:r>
-              <a:rPr kumimoji="1" lang="ja-JP" altLang="en-US" sz="1200" dirty="0" smtClean="0"/>
-              <a:t>のリンク</a:t>
+              <a:t>ジャンルのリンク</a:t>
             </a:r>
             <a:endParaRPr kumimoji="1" lang="ja-JP" altLang="en-US" sz="1200" dirty="0"/>
           </a:p>
@@ -5844,11 +5930,7 @@
             <a:pPr algn="ctr"/>
             <a:r>
               <a:rPr kumimoji="1" lang="ja-JP" altLang="en-US" sz="1200" dirty="0" smtClean="0"/>
-              <a:t>ジャンル</a:t>
-            </a:r>
-            <a:r>
-              <a:rPr kumimoji="1" lang="ja-JP" altLang="en-US" sz="1200" dirty="0" smtClean="0"/>
-              <a:t>のリンク</a:t>
+              <a:t>ジャンルのリンク</a:t>
             </a:r>
             <a:endParaRPr kumimoji="1" lang="ja-JP" altLang="en-US" sz="1200" dirty="0"/>
           </a:p>
@@ -5943,11 +6025,7 @@
             </a:r>
             <a:r>
               <a:rPr kumimoji="1" lang="ja-JP" altLang="en-US" dirty="0" smtClean="0"/>
-              <a:t>ジャンル</a:t>
-            </a:r>
-            <a:r>
-              <a:rPr kumimoji="1" lang="ja-JP" altLang="en-US" dirty="0" smtClean="0"/>
-              <a:t>のスレッドがランダム表示される</a:t>
+              <a:t>ジャンルのスレッドがランダム表示される</a:t>
             </a:r>
             <a:endParaRPr lang="en-US" altLang="ja-JP" dirty="0" smtClean="0"/>
           </a:p>
@@ -6784,11 +6862,7 @@
             <a:pPr algn="ctr"/>
             <a:r>
               <a:rPr kumimoji="1" lang="ja-JP" altLang="en-US" sz="1200" dirty="0" smtClean="0"/>
-              <a:t>ジャンル</a:t>
-            </a:r>
-            <a:r>
-              <a:rPr kumimoji="1" lang="ja-JP" altLang="en-US" sz="1200" dirty="0" smtClean="0"/>
-              <a:t>のリンク</a:t>
+              <a:t>ジャンルのリンク</a:t>
             </a:r>
             <a:endParaRPr kumimoji="1" lang="ja-JP" altLang="en-US" sz="1200" dirty="0"/>
           </a:p>
@@ -6888,11 +6962,7 @@
             <a:pPr algn="ctr"/>
             <a:r>
               <a:rPr kumimoji="1" lang="ja-JP" altLang="en-US" sz="1200" dirty="0" smtClean="0"/>
-              <a:t>ジャンル</a:t>
-            </a:r>
-            <a:r>
-              <a:rPr kumimoji="1" lang="ja-JP" altLang="en-US" sz="1200" dirty="0" smtClean="0"/>
-              <a:t>のリンク</a:t>
+              <a:t>ジャンルのリンク</a:t>
             </a:r>
             <a:endParaRPr kumimoji="1" lang="ja-JP" altLang="en-US" sz="1200" dirty="0"/>
           </a:p>
@@ -6936,11 +7006,7 @@
             <a:pPr algn="ctr"/>
             <a:r>
               <a:rPr kumimoji="1" lang="ja-JP" altLang="en-US" sz="1200" dirty="0" smtClean="0"/>
-              <a:t>ジャンル</a:t>
-            </a:r>
-            <a:r>
-              <a:rPr kumimoji="1" lang="ja-JP" altLang="en-US" sz="1200" dirty="0" smtClean="0"/>
-              <a:t>のリンク</a:t>
+              <a:t>ジャンルのリンク</a:t>
             </a:r>
             <a:endParaRPr kumimoji="1" lang="ja-JP" altLang="en-US" sz="1200" dirty="0"/>
           </a:p>
@@ -6984,11 +7050,7 @@
             <a:pPr algn="ctr"/>
             <a:r>
               <a:rPr kumimoji="1" lang="ja-JP" altLang="en-US" sz="1200" dirty="0" smtClean="0"/>
-              <a:t>ジャンル</a:t>
-            </a:r>
-            <a:r>
-              <a:rPr kumimoji="1" lang="ja-JP" altLang="en-US" sz="1200" dirty="0" smtClean="0"/>
-              <a:t>のリンク</a:t>
+              <a:t>ジャンルのリンク</a:t>
             </a:r>
             <a:endParaRPr kumimoji="1" lang="ja-JP" altLang="en-US" sz="1200" dirty="0"/>
           </a:p>
@@ -7612,15 +7674,7 @@
             </a:r>
             <a:r>
               <a:rPr lang="en-US" altLang="ja-JP" dirty="0" smtClean="0"/>
-              <a:t>(</a:t>
-            </a:r>
-            <a:r>
-              <a:rPr lang="en-US" altLang="ja-JP" dirty="0" smtClean="0"/>
-              <a:t>5</a:t>
-            </a:r>
-            <a:r>
-              <a:rPr lang="en-US" altLang="ja-JP" dirty="0" smtClean="0"/>
-              <a:t>0</a:t>
+              <a:t>(50</a:t>
             </a:r>
             <a:r>
               <a:rPr lang="ja-JP" altLang="en-US" dirty="0" smtClean="0"/>
@@ -7645,27 +7699,7 @@
           <a:p>
             <a:r>
               <a:rPr lang="ja-JP" altLang="en-US" dirty="0" smtClean="0"/>
-              <a:t>　　　　　</a:t>
-            </a:r>
-            <a:r>
-              <a:rPr lang="ja-JP" altLang="en-US" dirty="0" smtClean="0"/>
-              <a:t>　</a:t>
-            </a:r>
-            <a:r>
-              <a:rPr lang="ja-JP" altLang="en-US" dirty="0" smtClean="0"/>
-              <a:t>　　</a:t>
-            </a:r>
-            <a:r>
-              <a:rPr lang="ja-JP" altLang="en-US" dirty="0" smtClean="0"/>
-              <a:t>　　    </a:t>
-            </a:r>
-            <a:r>
-              <a:rPr lang="ja-JP" altLang="en-US" dirty="0" smtClean="0"/>
-              <a:t>　　　 　だいたいここ</a:t>
-            </a:r>
-            <a:r>
-              <a:rPr lang="ja-JP" altLang="en-US" dirty="0" smtClean="0"/>
-              <a:t>まで」</a:t>
+              <a:t>　　　　　　　　　　    　　　 　だいたいここまで」</a:t>
             </a:r>
             <a:endParaRPr lang="en-US" altLang="ja-JP" dirty="0" smtClean="0"/>
           </a:p>
@@ -7829,11 +7863,7 @@
             </a:r>
             <a:r>
               <a:rPr kumimoji="1" lang="en-US" altLang="ja-JP" dirty="0" smtClean="0"/>
-              <a:t>[       </a:t>
-            </a:r>
-            <a:r>
-              <a:rPr kumimoji="1" lang="en-US" altLang="ja-JP" dirty="0" smtClean="0"/>
-              <a:t>            20</a:t>
+              <a:t>[                   20</a:t>
             </a:r>
             <a:r>
               <a:rPr kumimoji="1" lang="ja-JP" altLang="en-US" dirty="0" smtClean="0"/>
@@ -7841,11 +7871,7 @@
             </a:r>
             <a:r>
               <a:rPr kumimoji="1" lang="en-US" altLang="ja-JP" dirty="0" smtClean="0"/>
-              <a:t>                         </a:t>
-            </a:r>
-            <a:r>
-              <a:rPr kumimoji="1" lang="en-US" altLang="ja-JP" dirty="0" smtClean="0"/>
-              <a:t>]</a:t>
+              <a:t>                         ]</a:t>
             </a:r>
           </a:p>
           <a:p>
@@ -7862,11 +7888,7 @@
             </a:r>
             <a:r>
               <a:rPr lang="en-US" altLang="ja-JP" dirty="0" smtClean="0"/>
-              <a:t>  </a:t>
-            </a:r>
-            <a:r>
-              <a:rPr lang="en-US" altLang="ja-JP" dirty="0" smtClean="0"/>
-              <a:t>                      150</a:t>
+              <a:t>                        150</a:t>
             </a:r>
             <a:r>
               <a:rPr lang="ja-JP" altLang="en-US" dirty="0" smtClean="0"/>
@@ -8329,11 +8351,7 @@
             <a:pPr algn="ctr"/>
             <a:r>
               <a:rPr kumimoji="1" lang="ja-JP" altLang="en-US" sz="1200" dirty="0" smtClean="0"/>
-              <a:t>ジャンル</a:t>
-            </a:r>
-            <a:r>
-              <a:rPr kumimoji="1" lang="ja-JP" altLang="en-US" sz="1200" dirty="0" smtClean="0"/>
-              <a:t>のリンク</a:t>
+              <a:t>ジャンルのリンク</a:t>
             </a:r>
             <a:endParaRPr kumimoji="1" lang="ja-JP" altLang="en-US" sz="1200" dirty="0"/>
           </a:p>
@@ -8433,11 +8451,7 @@
             <a:pPr algn="ctr"/>
             <a:r>
               <a:rPr kumimoji="1" lang="ja-JP" altLang="en-US" sz="1200" dirty="0" smtClean="0"/>
-              <a:t>ジャンル</a:t>
-            </a:r>
-            <a:r>
-              <a:rPr kumimoji="1" lang="ja-JP" altLang="en-US" sz="1200" dirty="0" smtClean="0"/>
-              <a:t>のリンク</a:t>
+              <a:t>ジャンルのリンク</a:t>
             </a:r>
             <a:endParaRPr kumimoji="1" lang="ja-JP" altLang="en-US" sz="1200" dirty="0"/>
           </a:p>
@@ -8481,11 +8495,7 @@
             <a:pPr algn="ctr"/>
             <a:r>
               <a:rPr kumimoji="1" lang="ja-JP" altLang="en-US" sz="1200" dirty="0" smtClean="0"/>
-              <a:t>ジャンル</a:t>
-            </a:r>
-            <a:r>
-              <a:rPr kumimoji="1" lang="ja-JP" altLang="en-US" sz="1200" dirty="0" smtClean="0"/>
-              <a:t>のリンク</a:t>
+              <a:t>ジャンルのリンク</a:t>
             </a:r>
             <a:endParaRPr kumimoji="1" lang="ja-JP" altLang="en-US" sz="1200" dirty="0"/>
           </a:p>
@@ -8533,11 +8543,7 @@
             </a:r>
             <a:r>
               <a:rPr kumimoji="1" lang="ja-JP" altLang="en-US" sz="1200" dirty="0" smtClean="0"/>
-              <a:t>ャンル</a:t>
-            </a:r>
-            <a:r>
-              <a:rPr kumimoji="1" lang="ja-JP" altLang="en-US" sz="1200" dirty="0" smtClean="0"/>
-              <a:t>のリンク</a:t>
+              <a:t>ャンルのリンク</a:t>
             </a:r>
             <a:endParaRPr kumimoji="1" lang="ja-JP" altLang="en-US" sz="1200" dirty="0"/>
           </a:p>
@@ -8607,6 +8613,702 @@
     <p:extLst>
       <p:ext uri="{BB962C8B-B14F-4D97-AF65-F5344CB8AC3E}">
         <p14:creationId xmlns:p14="http://schemas.microsoft.com/office/powerpoint/2010/main" val="4070945944"/>
+      </p:ext>
+    </p:extLst>
+  </p:cSld>
+  <p:clrMapOvr>
+    <a:masterClrMapping/>
+  </p:clrMapOvr>
+  <p:timing>
+    <p:tnLst>
+      <p:par>
+        <p:cTn id="1" dur="indefinite" restart="never" nodeType="tmRoot"/>
+      </p:par>
+    </p:tnLst>
+  </p:timing>
+</p:sld>
+</file>
+
+<file path=ppt/slides/slide5.xml><?xml version="1.0" encoding="utf-8"?>
+<p:sld xmlns:a="http://schemas.openxmlformats.org/drawingml/2006/main" xmlns:r="http://schemas.openxmlformats.org/officeDocument/2006/relationships" xmlns:p="http://schemas.openxmlformats.org/presentationml/2006/main">
+  <p:cSld>
+    <p:spTree>
+      <p:nvGrpSpPr>
+        <p:cNvPr id="1" name=""/>
+        <p:cNvGrpSpPr/>
+        <p:nvPr/>
+      </p:nvGrpSpPr>
+      <p:grpSpPr>
+        <a:xfrm>
+          <a:off x="0" y="0"/>
+          <a:ext cx="0" cy="0"/>
+          <a:chOff x="0" y="0"/>
+          <a:chExt cx="0" cy="0"/>
+        </a:xfrm>
+      </p:grpSpPr>
+      <p:sp>
+        <p:nvSpPr>
+          <p:cNvPr id="17" name="フローチャート: 処理 16"/>
+          <p:cNvSpPr/>
+          <p:nvPr/>
+        </p:nvSpPr>
+        <p:spPr>
+          <a:xfrm>
+            <a:off x="-1" y="0"/>
+            <a:ext cx="2852047" cy="6858000"/>
+          </a:xfrm>
+          <a:prstGeom prst="flowChartProcess">
+            <a:avLst/>
+          </a:prstGeom>
+        </p:spPr>
+        <p:style>
+          <a:lnRef idx="3">
+            <a:schemeClr val="lt1"/>
+          </a:lnRef>
+          <a:fillRef idx="1">
+            <a:schemeClr val="accent2"/>
+          </a:fillRef>
+          <a:effectRef idx="1">
+            <a:schemeClr val="accent2"/>
+          </a:effectRef>
+          <a:fontRef idx="minor">
+            <a:schemeClr val="lt1"/>
+          </a:fontRef>
+        </p:style>
+        <p:txBody>
+          <a:bodyPr rtlCol="0" anchor="ctr"/>
+          <a:lstStyle/>
+          <a:p>
+            <a:pPr algn="ctr"/>
+            <a:endParaRPr kumimoji="1" lang="en-US" altLang="ja-JP" dirty="0" smtClean="0"/>
+          </a:p>
+          <a:p>
+            <a:pPr algn="ctr"/>
+            <a:endParaRPr lang="en-US" altLang="ja-JP" dirty="0"/>
+          </a:p>
+          <a:p>
+            <a:pPr algn="ctr"/>
+            <a:endParaRPr kumimoji="1" lang="en-US" altLang="ja-JP" dirty="0" smtClean="0"/>
+          </a:p>
+          <a:p>
+            <a:pPr algn="ctr"/>
+            <a:endParaRPr lang="en-US" altLang="ja-JP" dirty="0"/>
+          </a:p>
+          <a:p>
+            <a:pPr algn="ctr"/>
+            <a:r>
+              <a:rPr lang="ja-JP" altLang="en-US" dirty="0" smtClean="0"/>
+              <a:t>スクロール</a:t>
+            </a:r>
+            <a:r>
+              <a:rPr lang="ja-JP" altLang="en-US" dirty="0"/>
+              <a:t>時</a:t>
+            </a:r>
+            <a:r>
+              <a:rPr lang="ja-JP" altLang="en-US" dirty="0" smtClean="0"/>
+              <a:t>に</a:t>
+            </a:r>
+            <a:endParaRPr lang="en-US" altLang="ja-JP" dirty="0" smtClean="0"/>
+          </a:p>
+          <a:p>
+            <a:pPr algn="ctr"/>
+            <a:r>
+              <a:rPr lang="ja-JP" altLang="en-US" dirty="0" smtClean="0"/>
+              <a:t>動かない</a:t>
+            </a:r>
+            <a:endParaRPr kumimoji="1" lang="ja-JP" altLang="en-US" dirty="0"/>
+          </a:p>
+        </p:txBody>
+      </p:sp>
+      <p:sp>
+        <p:nvSpPr>
+          <p:cNvPr id="3" name="フローチャート: 処理 2"/>
+          <p:cNvSpPr/>
+          <p:nvPr/>
+        </p:nvSpPr>
+        <p:spPr>
+          <a:xfrm>
+            <a:off x="309966" y="165709"/>
+            <a:ext cx="2262753" cy="717694"/>
+          </a:xfrm>
+          <a:prstGeom prst="flowChartProcess">
+            <a:avLst/>
+          </a:prstGeom>
+        </p:spPr>
+        <p:style>
+          <a:lnRef idx="2">
+            <a:schemeClr val="accent1">
+              <a:shade val="50000"/>
+            </a:schemeClr>
+          </a:lnRef>
+          <a:fillRef idx="1">
+            <a:schemeClr val="accent1"/>
+          </a:fillRef>
+          <a:effectRef idx="0">
+            <a:schemeClr val="accent1"/>
+          </a:effectRef>
+          <a:fontRef idx="minor">
+            <a:schemeClr val="lt1"/>
+          </a:fontRef>
+        </p:style>
+        <p:txBody>
+          <a:bodyPr rtlCol="0" anchor="ctr"/>
+          <a:lstStyle/>
+          <a:p>
+            <a:pPr algn="ctr"/>
+            <a:r>
+              <a:rPr kumimoji="1" lang="ja-JP" altLang="en-US" sz="1400" dirty="0" smtClean="0"/>
+              <a:t>サイトのタイトル</a:t>
+            </a:r>
+            <a:endParaRPr kumimoji="1" lang="en-US" altLang="ja-JP" sz="1400" dirty="0" smtClean="0"/>
+          </a:p>
+          <a:p>
+            <a:pPr algn="ctr"/>
+            <a:r>
+              <a:rPr kumimoji="1" lang="en-US" altLang="ja-JP" sz="1400" dirty="0" smtClean="0"/>
+              <a:t>(</a:t>
+            </a:r>
+            <a:r>
+              <a:rPr kumimoji="1" lang="ja-JP" altLang="en-US" sz="1400" dirty="0" smtClean="0"/>
+              <a:t>押したらトップに戻る</a:t>
+            </a:r>
+            <a:r>
+              <a:rPr kumimoji="1" lang="en-US" altLang="ja-JP" sz="1400" dirty="0" smtClean="0"/>
+              <a:t>)</a:t>
+            </a:r>
+            <a:endParaRPr kumimoji="1" lang="ja-JP" altLang="en-US" sz="1400" dirty="0"/>
+          </a:p>
+        </p:txBody>
+      </p:sp>
+      <p:sp>
+        <p:nvSpPr>
+          <p:cNvPr id="8" name="フローチャート: 処理 7"/>
+          <p:cNvSpPr/>
+          <p:nvPr/>
+        </p:nvSpPr>
+        <p:spPr>
+          <a:xfrm>
+            <a:off x="309966" y="2046371"/>
+            <a:ext cx="1797803" cy="243681"/>
+          </a:xfrm>
+          <a:prstGeom prst="flowChartProcess">
+            <a:avLst/>
+          </a:prstGeom>
+        </p:spPr>
+        <p:style>
+          <a:lnRef idx="2">
+            <a:schemeClr val="accent1">
+              <a:shade val="50000"/>
+            </a:schemeClr>
+          </a:lnRef>
+          <a:fillRef idx="1">
+            <a:schemeClr val="accent1"/>
+          </a:fillRef>
+          <a:effectRef idx="0">
+            <a:schemeClr val="accent1"/>
+          </a:effectRef>
+          <a:fontRef idx="minor">
+            <a:schemeClr val="lt1"/>
+          </a:fontRef>
+        </p:style>
+        <p:txBody>
+          <a:bodyPr rtlCol="0" anchor="ctr"/>
+          <a:lstStyle/>
+          <a:p>
+            <a:pPr algn="ctr"/>
+            <a:r>
+              <a:rPr kumimoji="1" lang="ja-JP" altLang="en-US" sz="1200" dirty="0" smtClean="0"/>
+              <a:t>ジャンルのリンク</a:t>
+            </a:r>
+            <a:endParaRPr kumimoji="1" lang="ja-JP" altLang="en-US" sz="1200" dirty="0"/>
+          </a:p>
+        </p:txBody>
+      </p:sp>
+      <p:sp>
+        <p:nvSpPr>
+          <p:cNvPr id="11" name="フローチャート: 処理 10"/>
+          <p:cNvSpPr/>
+          <p:nvPr/>
+        </p:nvSpPr>
+        <p:spPr>
+          <a:xfrm>
+            <a:off x="309966" y="1179486"/>
+            <a:ext cx="2262754" cy="372730"/>
+          </a:xfrm>
+          <a:prstGeom prst="flowChartProcess">
+            <a:avLst/>
+          </a:prstGeom>
+        </p:spPr>
+        <p:style>
+          <a:lnRef idx="2">
+            <a:schemeClr val="accent1">
+              <a:shade val="50000"/>
+            </a:schemeClr>
+          </a:lnRef>
+          <a:fillRef idx="1">
+            <a:schemeClr val="accent1"/>
+          </a:fillRef>
+          <a:effectRef idx="0">
+            <a:schemeClr val="accent1"/>
+          </a:effectRef>
+          <a:fontRef idx="minor">
+            <a:schemeClr val="lt1"/>
+          </a:fontRef>
+        </p:style>
+        <p:txBody>
+          <a:bodyPr rtlCol="0" anchor="ctr"/>
+          <a:lstStyle/>
+          <a:p>
+            <a:pPr algn="ctr"/>
+            <a:r>
+              <a:rPr kumimoji="1" lang="ja-JP" altLang="en-US" sz="1600" dirty="0" smtClean="0"/>
+              <a:t>検索場所</a:t>
+            </a:r>
+            <a:r>
+              <a:rPr lang="en-US" altLang="ja-JP" sz="1600" dirty="0" smtClean="0"/>
+              <a:t>(</a:t>
+            </a:r>
+            <a:r>
+              <a:rPr lang="ja-JP" altLang="en-US" sz="1600" dirty="0" smtClean="0"/>
+              <a:t>作るなら</a:t>
+            </a:r>
+            <a:r>
+              <a:rPr lang="en-US" altLang="ja-JP" sz="1600" dirty="0" smtClean="0"/>
+              <a:t>)</a:t>
+            </a:r>
+            <a:endParaRPr kumimoji="1" lang="ja-JP" altLang="en-US" sz="1600" dirty="0"/>
+          </a:p>
+        </p:txBody>
+      </p:sp>
+      <p:sp>
+        <p:nvSpPr>
+          <p:cNvPr id="12" name="フローチャート: 処理 11"/>
+          <p:cNvSpPr/>
+          <p:nvPr/>
+        </p:nvSpPr>
+        <p:spPr>
+          <a:xfrm>
+            <a:off x="309967" y="2502618"/>
+            <a:ext cx="1797803" cy="243681"/>
+          </a:xfrm>
+          <a:prstGeom prst="flowChartProcess">
+            <a:avLst/>
+          </a:prstGeom>
+        </p:spPr>
+        <p:style>
+          <a:lnRef idx="2">
+            <a:schemeClr val="accent1">
+              <a:shade val="50000"/>
+            </a:schemeClr>
+          </a:lnRef>
+          <a:fillRef idx="1">
+            <a:schemeClr val="accent1"/>
+          </a:fillRef>
+          <a:effectRef idx="0">
+            <a:schemeClr val="accent1"/>
+          </a:effectRef>
+          <a:fontRef idx="minor">
+            <a:schemeClr val="lt1"/>
+          </a:fontRef>
+        </p:style>
+        <p:txBody>
+          <a:bodyPr rtlCol="0" anchor="ctr"/>
+          <a:lstStyle/>
+          <a:p>
+            <a:pPr algn="ctr"/>
+            <a:r>
+              <a:rPr kumimoji="1" lang="ja-JP" altLang="en-US" sz="1200" dirty="0" smtClean="0"/>
+              <a:t>ジャンルのリンク</a:t>
+            </a:r>
+            <a:endParaRPr kumimoji="1" lang="ja-JP" altLang="en-US" sz="1200" dirty="0"/>
+          </a:p>
+        </p:txBody>
+      </p:sp>
+      <p:sp>
+        <p:nvSpPr>
+          <p:cNvPr id="13" name="フローチャート: 処理 12"/>
+          <p:cNvSpPr/>
+          <p:nvPr/>
+        </p:nvSpPr>
+        <p:spPr>
+          <a:xfrm>
+            <a:off x="309967" y="2958865"/>
+            <a:ext cx="1797803" cy="243681"/>
+          </a:xfrm>
+          <a:prstGeom prst="flowChartProcess">
+            <a:avLst/>
+          </a:prstGeom>
+        </p:spPr>
+        <p:style>
+          <a:lnRef idx="2">
+            <a:schemeClr val="accent1">
+              <a:shade val="50000"/>
+            </a:schemeClr>
+          </a:lnRef>
+          <a:fillRef idx="1">
+            <a:schemeClr val="accent1"/>
+          </a:fillRef>
+          <a:effectRef idx="0">
+            <a:schemeClr val="accent1"/>
+          </a:effectRef>
+          <a:fontRef idx="minor">
+            <a:schemeClr val="lt1"/>
+          </a:fontRef>
+        </p:style>
+        <p:txBody>
+          <a:bodyPr rtlCol="0" anchor="ctr"/>
+          <a:lstStyle/>
+          <a:p>
+            <a:pPr algn="ctr"/>
+            <a:r>
+              <a:rPr kumimoji="1" lang="ja-JP" altLang="en-US" sz="1200" dirty="0" smtClean="0"/>
+              <a:t>ジャンルのリンク</a:t>
+            </a:r>
+            <a:endParaRPr kumimoji="1" lang="ja-JP" altLang="en-US" sz="1200" dirty="0"/>
+          </a:p>
+        </p:txBody>
+      </p:sp>
+      <p:sp>
+        <p:nvSpPr>
+          <p:cNvPr id="14" name="フローチャート: 処理 13"/>
+          <p:cNvSpPr/>
+          <p:nvPr/>
+        </p:nvSpPr>
+        <p:spPr>
+          <a:xfrm>
+            <a:off x="309966" y="3415112"/>
+            <a:ext cx="1797803" cy="243681"/>
+          </a:xfrm>
+          <a:prstGeom prst="flowChartProcess">
+            <a:avLst/>
+          </a:prstGeom>
+        </p:spPr>
+        <p:style>
+          <a:lnRef idx="2">
+            <a:schemeClr val="accent1">
+              <a:shade val="50000"/>
+            </a:schemeClr>
+          </a:lnRef>
+          <a:fillRef idx="1">
+            <a:schemeClr val="accent1"/>
+          </a:fillRef>
+          <a:effectRef idx="0">
+            <a:schemeClr val="accent1"/>
+          </a:effectRef>
+          <a:fontRef idx="minor">
+            <a:schemeClr val="lt1"/>
+          </a:fontRef>
+        </p:style>
+        <p:txBody>
+          <a:bodyPr rtlCol="0" anchor="ctr"/>
+          <a:lstStyle/>
+          <a:p>
+            <a:pPr algn="ctr"/>
+            <a:r>
+              <a:rPr kumimoji="1" lang="ja-JP" altLang="en-US" sz="1200" dirty="0" smtClean="0"/>
+              <a:t>ジャンルのリンク</a:t>
+            </a:r>
+            <a:endParaRPr kumimoji="1" lang="ja-JP" altLang="en-US" sz="1200" dirty="0"/>
+          </a:p>
+        </p:txBody>
+      </p:sp>
+      <p:sp>
+        <p:nvSpPr>
+          <p:cNvPr id="16" name="フローチャート: 処理 15"/>
+          <p:cNvSpPr/>
+          <p:nvPr/>
+        </p:nvSpPr>
+        <p:spPr>
+          <a:xfrm>
+            <a:off x="9694543" y="165708"/>
+            <a:ext cx="2378634" cy="6383133"/>
+          </a:xfrm>
+          <a:prstGeom prst="flowChartProcess">
+            <a:avLst/>
+          </a:prstGeom>
+        </p:spPr>
+        <p:style>
+          <a:lnRef idx="2">
+            <a:schemeClr val="accent1">
+              <a:shade val="50000"/>
+            </a:schemeClr>
+          </a:lnRef>
+          <a:fillRef idx="1">
+            <a:schemeClr val="accent1"/>
+          </a:fillRef>
+          <a:effectRef idx="0">
+            <a:schemeClr val="accent1"/>
+          </a:effectRef>
+          <a:fontRef idx="minor">
+            <a:schemeClr val="lt1"/>
+          </a:fontRef>
+        </p:style>
+        <p:txBody>
+          <a:bodyPr rtlCol="0" anchor="ctr"/>
+          <a:lstStyle/>
+          <a:p>
+            <a:pPr algn="ctr"/>
+            <a:r>
+              <a:rPr lang="ja-JP" altLang="en-US" dirty="0"/>
+              <a:t>全</a:t>
+            </a:r>
+            <a:r>
+              <a:rPr kumimoji="1" lang="ja-JP" altLang="en-US" dirty="0" smtClean="0"/>
+              <a:t>ジャンルのスレッドがランダム表示される</a:t>
+            </a:r>
+            <a:endParaRPr lang="en-US" altLang="ja-JP" dirty="0" smtClean="0"/>
+          </a:p>
+          <a:p>
+            <a:pPr algn="ctr"/>
+            <a:r>
+              <a:rPr kumimoji="1" lang="en-US" altLang="ja-JP" dirty="0" smtClean="0"/>
+              <a:t>(</a:t>
+            </a:r>
+            <a:r>
+              <a:rPr kumimoji="1" lang="ja-JP" altLang="en-US" dirty="0" smtClean="0"/>
+              <a:t>最大</a:t>
+            </a:r>
+            <a:r>
+              <a:rPr kumimoji="1" lang="en-US" altLang="ja-JP" dirty="0" smtClean="0"/>
+              <a:t>10</a:t>
+            </a:r>
+            <a:r>
+              <a:rPr kumimoji="1" lang="ja-JP" altLang="en-US" dirty="0" smtClean="0"/>
+              <a:t>～</a:t>
+            </a:r>
+            <a:r>
+              <a:rPr kumimoji="1" lang="en-US" altLang="ja-JP" dirty="0" smtClean="0"/>
+              <a:t>15</a:t>
+            </a:r>
+            <a:r>
+              <a:rPr kumimoji="1" lang="ja-JP" altLang="en-US" dirty="0" smtClean="0"/>
+              <a:t>個くらい？</a:t>
+            </a:r>
+            <a:r>
+              <a:rPr kumimoji="1" lang="en-US" altLang="ja-JP" dirty="0" smtClean="0"/>
+              <a:t>)</a:t>
+            </a:r>
+          </a:p>
+        </p:txBody>
+      </p:sp>
+      <p:sp>
+        <p:nvSpPr>
+          <p:cNvPr id="18" name="正方形/長方形 17"/>
+          <p:cNvSpPr/>
+          <p:nvPr/>
+        </p:nvSpPr>
+        <p:spPr>
+          <a:xfrm>
+            <a:off x="883403" y="5634442"/>
+            <a:ext cx="1511444" cy="914400"/>
+          </a:xfrm>
+          <a:prstGeom prst="rect">
+            <a:avLst/>
+          </a:prstGeom>
+        </p:spPr>
+        <p:style>
+          <a:lnRef idx="2">
+            <a:schemeClr val="accent1">
+              <a:shade val="50000"/>
+            </a:schemeClr>
+          </a:lnRef>
+          <a:fillRef idx="1">
+            <a:schemeClr val="accent1"/>
+          </a:fillRef>
+          <a:effectRef idx="0">
+            <a:schemeClr val="accent1"/>
+          </a:effectRef>
+          <a:fontRef idx="minor">
+            <a:schemeClr val="lt1"/>
+          </a:fontRef>
+        </p:style>
+        <p:txBody>
+          <a:bodyPr rtlCol="0" anchor="ctr"/>
+          <a:lstStyle/>
+          <a:p>
+            <a:pPr algn="ctr"/>
+            <a:r>
+              <a:rPr lang="ja-JP" altLang="en-US" sz="1500" dirty="0" smtClean="0"/>
+              <a:t>トップ</a:t>
+            </a:r>
+            <a:r>
+              <a:rPr lang="ja-JP" altLang="en-US" sz="1500" dirty="0"/>
+              <a:t>ページ</a:t>
+            </a:r>
+            <a:r>
+              <a:rPr lang="ja-JP" altLang="en-US" sz="1500" dirty="0" smtClean="0"/>
+              <a:t>に戻る</a:t>
+            </a:r>
+            <a:endParaRPr kumimoji="1" lang="en-US" altLang="ja-JP" sz="1500" dirty="0" smtClean="0"/>
+          </a:p>
+        </p:txBody>
+      </p:sp>
+      <p:sp>
+        <p:nvSpPr>
+          <p:cNvPr id="2" name="正方形/長方形 1"/>
+          <p:cNvSpPr/>
+          <p:nvPr/>
+        </p:nvSpPr>
+        <p:spPr>
+          <a:xfrm>
+            <a:off x="4595425" y="-1382017"/>
+            <a:ext cx="3355738" cy="914400"/>
+          </a:xfrm>
+          <a:prstGeom prst="rect">
+            <a:avLst/>
+          </a:prstGeom>
+        </p:spPr>
+        <p:style>
+          <a:lnRef idx="2">
+            <a:schemeClr val="accent1">
+              <a:shade val="50000"/>
+            </a:schemeClr>
+          </a:lnRef>
+          <a:fillRef idx="1">
+            <a:schemeClr val="accent1"/>
+          </a:fillRef>
+          <a:effectRef idx="0">
+            <a:schemeClr val="accent1"/>
+          </a:effectRef>
+          <a:fontRef idx="minor">
+            <a:schemeClr val="lt1"/>
+          </a:fontRef>
+        </p:style>
+        <p:txBody>
+          <a:bodyPr rtlCol="0" anchor="ctr"/>
+          <a:lstStyle/>
+          <a:p>
+            <a:pPr algn="ctr"/>
+            <a:r>
+              <a:rPr kumimoji="1" lang="ja-JP" altLang="en-US" sz="4000" dirty="0" smtClean="0"/>
+              <a:t>スレッド作成</a:t>
+            </a:r>
+            <a:endParaRPr kumimoji="1" lang="ja-JP" altLang="en-US" sz="4000" dirty="0"/>
+          </a:p>
+        </p:txBody>
+      </p:sp>
+      <p:sp>
+        <p:nvSpPr>
+          <p:cNvPr id="31" name="正方形/長方形 30"/>
+          <p:cNvSpPr/>
+          <p:nvPr/>
+        </p:nvSpPr>
+        <p:spPr>
+          <a:xfrm>
+            <a:off x="3378989" y="426201"/>
+            <a:ext cx="5788253" cy="3240339"/>
+          </a:xfrm>
+          <a:prstGeom prst="rect">
+            <a:avLst/>
+          </a:prstGeom>
+        </p:spPr>
+        <p:style>
+          <a:lnRef idx="2">
+            <a:schemeClr val="accent1">
+              <a:shade val="50000"/>
+            </a:schemeClr>
+          </a:lnRef>
+          <a:fillRef idx="1">
+            <a:schemeClr val="accent1"/>
+          </a:fillRef>
+          <a:effectRef idx="0">
+            <a:schemeClr val="accent1"/>
+          </a:effectRef>
+          <a:fontRef idx="minor">
+            <a:schemeClr val="lt1"/>
+          </a:fontRef>
+        </p:style>
+        <p:txBody>
+          <a:bodyPr rtlCol="0" anchor="t"/>
+          <a:lstStyle/>
+          <a:p>
+            <a:r>
+              <a:rPr lang="ja-JP" altLang="en-US" sz="2000" dirty="0" smtClean="0"/>
+              <a:t>作成場所：ラジオボタンで選択</a:t>
+            </a:r>
+            <a:endParaRPr lang="en-US" altLang="ja-JP" sz="2000" dirty="0" smtClean="0"/>
+          </a:p>
+          <a:p>
+            <a:r>
+              <a:rPr lang="ja-JP" altLang="en-US" sz="2000" dirty="0" smtClean="0"/>
+              <a:t>タイトル</a:t>
+            </a:r>
+            <a:endParaRPr lang="en-US" altLang="ja-JP" sz="2000" dirty="0" smtClean="0"/>
+          </a:p>
+          <a:p>
+            <a:r>
+              <a:rPr lang="ja-JP" altLang="en-US" sz="2000" dirty="0" smtClean="0"/>
+              <a:t>「</a:t>
+            </a:r>
+            <a:endParaRPr lang="en-US" altLang="ja-JP" sz="2000" dirty="0" smtClean="0"/>
+          </a:p>
+          <a:p>
+            <a:endParaRPr lang="en-US" altLang="ja-JP" sz="2000" dirty="0"/>
+          </a:p>
+          <a:p>
+            <a:endParaRPr lang="en-US" altLang="ja-JP" sz="2000" dirty="0" smtClean="0"/>
+          </a:p>
+          <a:p>
+            <a:r>
+              <a:rPr lang="en-US" altLang="ja-JP" sz="2000" dirty="0" smtClean="0"/>
+              <a:t>                             50</a:t>
+            </a:r>
+            <a:r>
+              <a:rPr lang="ja-JP" altLang="en-US" sz="2000" dirty="0" smtClean="0"/>
+              <a:t>文字ま</a:t>
+            </a:r>
+            <a:r>
+              <a:rPr lang="ja-JP" altLang="en-US" sz="2000" dirty="0"/>
+              <a:t>で</a:t>
+            </a:r>
+            <a:endParaRPr lang="en-US" altLang="ja-JP" sz="2000" dirty="0" smtClean="0"/>
+          </a:p>
+          <a:p>
+            <a:endParaRPr lang="en-US" altLang="ja-JP" sz="2000" dirty="0" smtClean="0"/>
+          </a:p>
+          <a:p>
+            <a:r>
+              <a:rPr lang="ja-JP" altLang="en-US" sz="2000" dirty="0"/>
+              <a:t>　</a:t>
+            </a:r>
+            <a:r>
+              <a:rPr lang="ja-JP" altLang="en-US" sz="2000" dirty="0" smtClean="0"/>
+              <a:t>　　　　　　　　　　　　　　　　  　　　 」</a:t>
+            </a:r>
+            <a:endParaRPr lang="en-US" altLang="ja-JP" sz="2000" dirty="0" smtClean="0"/>
+          </a:p>
+          <a:p>
+            <a:endParaRPr lang="en-US" altLang="ja-JP" sz="2000" dirty="0" smtClean="0"/>
+          </a:p>
+          <a:p>
+            <a:r>
+              <a:rPr lang="ja-JP" altLang="en-US" sz="2000" dirty="0"/>
+              <a:t>　</a:t>
+            </a:r>
+            <a:r>
+              <a:rPr lang="ja-JP" altLang="en-US" sz="2000" dirty="0" smtClean="0"/>
+              <a:t>　　　　　　　　　　　　　　　 </a:t>
+            </a:r>
+            <a:r>
+              <a:rPr lang="en-US" altLang="ja-JP" sz="2000" dirty="0" smtClean="0"/>
+              <a:t> [</a:t>
+            </a:r>
+            <a:r>
+              <a:rPr lang="ja-JP" altLang="en-US" sz="2000" dirty="0" smtClean="0"/>
+              <a:t>作成する</a:t>
+            </a:r>
+            <a:r>
+              <a:rPr lang="en-US" altLang="ja-JP" sz="2000" dirty="0" smtClean="0"/>
+              <a:t>]</a:t>
+            </a:r>
+            <a:endParaRPr lang="en-US" altLang="ja-JP" sz="2000" dirty="0"/>
+          </a:p>
+        </p:txBody>
+      </p:sp>
+    </p:spTree>
+    <p:extLst>
+      <p:ext uri="{BB962C8B-B14F-4D97-AF65-F5344CB8AC3E}">
+        <p14:creationId xmlns:p14="http://schemas.microsoft.com/office/powerpoint/2010/main" val="953535022"/>
       </p:ext>
     </p:extLst>
   </p:cSld>
